--- a/Intro-to-PCB-Slides.pptx
+++ b/Intro-to-PCB-Slides.pptx
@@ -14,6 +14,7 @@
     <p:sldId id="259" r:id="rId9"/>
     <p:sldId id="260" r:id="rId10"/>
     <p:sldId id="261" r:id="rId11"/>
+    <p:sldId id="262" r:id="rId12"/>
   </p:sldIdLst>
   <p:sldSz cy="5143500" cx="9144000"/>
   <p:notesSz cx="6858000" cy="9144000"/>
@@ -490,7 +491,7 @@
   <p:cSld>
     <p:spTree>
       <p:nvGrpSpPr>
-        <p:cNvPr id="58" name="Shape 58"/>
+        <p:cNvPr id="59" name="Shape 59"/>
         <p:cNvGrpSpPr/>
         <p:nvPr/>
       </p:nvGrpSpPr>
@@ -504,7 +505,7 @@
       </p:grpSpPr>
       <p:sp>
         <p:nvSpPr>
-          <p:cNvPr id="59" name="Shape 59"/>
+          <p:cNvPr id="60" name="Shape 60"/>
           <p:cNvSpPr/>
           <p:nvPr>
             <p:ph idx="2" type="sldImg"/>
@@ -548,7 +549,7 @@
       </p:sp>
       <p:sp>
         <p:nvSpPr>
-          <p:cNvPr id="60" name="Shape 60"/>
+          <p:cNvPr id="61" name="Shape 61"/>
           <p:cNvSpPr txBox="1"/>
           <p:nvPr>
             <p:ph idx="1" type="body"/>
@@ -595,7 +596,7 @@
   <p:cSld>
     <p:spTree>
       <p:nvGrpSpPr>
-        <p:cNvPr id="64" name="Shape 64"/>
+        <p:cNvPr id="65" name="Shape 65"/>
         <p:cNvGrpSpPr/>
         <p:nvPr/>
       </p:nvGrpSpPr>
@@ -609,7 +610,7 @@
       </p:grpSpPr>
       <p:sp>
         <p:nvSpPr>
-          <p:cNvPr id="65" name="Shape 65"/>
+          <p:cNvPr id="66" name="Shape 66"/>
           <p:cNvSpPr/>
           <p:nvPr>
             <p:ph idx="2" type="sldImg"/>
@@ -653,7 +654,7 @@
       </p:sp>
       <p:sp>
         <p:nvSpPr>
-          <p:cNvPr id="66" name="Shape 66"/>
+          <p:cNvPr id="67" name="Shape 67"/>
           <p:cNvSpPr txBox="1"/>
           <p:nvPr>
             <p:ph idx="1" type="body"/>
@@ -700,7 +701,7 @@
   <p:cSld>
     <p:spTree>
       <p:nvGrpSpPr>
-        <p:cNvPr id="70" name="Shape 70"/>
+        <p:cNvPr id="71" name="Shape 71"/>
         <p:cNvGrpSpPr/>
         <p:nvPr/>
       </p:nvGrpSpPr>
@@ -714,7 +715,7 @@
       </p:grpSpPr>
       <p:sp>
         <p:nvSpPr>
-          <p:cNvPr id="71" name="Shape 71"/>
+          <p:cNvPr id="72" name="Shape 72"/>
           <p:cNvSpPr/>
           <p:nvPr>
             <p:ph idx="2" type="sldImg"/>
@@ -758,7 +759,7 @@
       </p:sp>
       <p:sp>
         <p:nvSpPr>
-          <p:cNvPr id="72" name="Shape 72"/>
+          <p:cNvPr id="73" name="Shape 73"/>
           <p:cNvSpPr txBox="1"/>
           <p:nvPr>
             <p:ph idx="1" type="body"/>
@@ -805,7 +806,7 @@
   <p:cSld>
     <p:spTree>
       <p:nvGrpSpPr>
-        <p:cNvPr id="76" name="Shape 76"/>
+        <p:cNvPr id="77" name="Shape 77"/>
         <p:cNvGrpSpPr/>
         <p:nvPr/>
       </p:nvGrpSpPr>
@@ -819,7 +820,7 @@
       </p:grpSpPr>
       <p:sp>
         <p:nvSpPr>
-          <p:cNvPr id="77" name="Shape 77"/>
+          <p:cNvPr id="78" name="Shape 78"/>
           <p:cNvSpPr/>
           <p:nvPr>
             <p:ph idx="2" type="sldImg"/>
@@ -863,7 +864,7 @@
       </p:sp>
       <p:sp>
         <p:nvSpPr>
-          <p:cNvPr id="78" name="Shape 78"/>
+          <p:cNvPr id="79" name="Shape 79"/>
           <p:cNvSpPr txBox="1"/>
           <p:nvPr>
             <p:ph idx="1" type="body"/>
@@ -910,7 +911,7 @@
   <p:cSld>
     <p:spTree>
       <p:nvGrpSpPr>
-        <p:cNvPr id="82" name="Shape 82"/>
+        <p:cNvPr id="83" name="Shape 83"/>
         <p:cNvGrpSpPr/>
         <p:nvPr/>
       </p:nvGrpSpPr>
@@ -924,7 +925,7 @@
       </p:grpSpPr>
       <p:sp>
         <p:nvSpPr>
-          <p:cNvPr id="83" name="Shape 83"/>
+          <p:cNvPr id="84" name="Shape 84"/>
           <p:cNvSpPr/>
           <p:nvPr>
             <p:ph idx="2" type="sldImg"/>
@@ -968,7 +969,112 @@
       </p:sp>
       <p:sp>
         <p:nvSpPr>
-          <p:cNvPr id="84" name="Shape 84"/>
+          <p:cNvPr id="85" name="Shape 85"/>
+          <p:cNvSpPr txBox="1"/>
+          <p:nvPr>
+            <p:ph idx="1" type="body"/>
+          </p:nvPr>
+        </p:nvSpPr>
+        <p:spPr>
+          <a:xfrm>
+            <a:off x="685800" y="4343400"/>
+            <a:ext cx="5486399" cy="4114800"/>
+          </a:xfrm>
+          <a:prstGeom prst="rect">
+            <a:avLst/>
+          </a:prstGeom>
+        </p:spPr>
+        <p:txBody>
+          <a:bodyPr anchorCtr="0" anchor="t" bIns="91425" lIns="91425" rIns="91425" tIns="91425">
+            <a:noAutofit/>
+          </a:bodyPr>
+          <a:lstStyle/>
+          <a:p>
+            <a:pPr>
+              <a:spcBef>
+                <a:spcPts val="0"/>
+              </a:spcBef>
+              <a:buNone/>
+            </a:pPr>
+            <a:r>
+              <a:t/>
+            </a:r>
+            <a:endParaRPr/>
+          </a:p>
+        </p:txBody>
+      </p:sp>
+    </p:spTree>
+  </p:cSld>
+  <p:clrMapOvr>
+    <a:masterClrMapping/>
+  </p:clrMapOvr>
+</p:notes>
+</file>
+
+<file path=ppt/notesSlides/notesSlide7.xml><?xml version="1.0" encoding="utf-8"?>
+<p:notes xmlns:a="http://schemas.openxmlformats.org/drawingml/2006/main" xmlns:r="http://schemas.openxmlformats.org/officeDocument/2006/relationships" xmlns:mc="http://schemas.openxmlformats.org/markup-compatibility/2006" xmlns:mv="urn:schemas-microsoft-com:mac:vml" xmlns:p="http://schemas.openxmlformats.org/presentationml/2006/main" xmlns:c="http://schemas.openxmlformats.org/drawingml/2006/chart" xmlns:dgm="http://schemas.openxmlformats.org/drawingml/2006/diagram" xmlns:o="urn:schemas-microsoft-com:office:office" xmlns:v="urn:schemas-microsoft-com:vml" xmlns:pvml="urn:schemas-microsoft-com:office:powerpoint" xmlns:com="http://schemas.openxmlformats.org/drawingml/2006/compatibility" xmlns:p14="http://schemas.microsoft.com/office/powerpoint/2010/main" showMasterPhAnim="0" showMasterSp="0">
+  <p:cSld>
+    <p:spTree>
+      <p:nvGrpSpPr>
+        <p:cNvPr id="89" name="Shape 89"/>
+        <p:cNvGrpSpPr/>
+        <p:nvPr/>
+      </p:nvGrpSpPr>
+      <p:grpSpPr>
+        <a:xfrm>
+          <a:off x="0" y="0"/>
+          <a:ext cx="0" cy="0"/>
+          <a:chOff x="0" y="0"/>
+          <a:chExt cx="0" cy="0"/>
+        </a:xfrm>
+      </p:grpSpPr>
+      <p:sp>
+        <p:nvSpPr>
+          <p:cNvPr id="90" name="Shape 90"/>
+          <p:cNvSpPr/>
+          <p:nvPr>
+            <p:ph idx="2" type="sldImg"/>
+          </p:nvPr>
+        </p:nvSpPr>
+        <p:spPr>
+          <a:xfrm>
+            <a:off x="381300" y="685800"/>
+            <a:ext cx="6096000" cy="3429000"/>
+          </a:xfrm>
+          <a:custGeom>
+            <a:pathLst>
+              <a:path extrusionOk="0" h="120000" w="120000">
+                <a:moveTo>
+                  <a:pt x="0" y="0"/>
+                </a:moveTo>
+                <a:lnTo>
+                  <a:pt x="120000" y="0"/>
+                </a:lnTo>
+                <a:lnTo>
+                  <a:pt x="120000" y="120000"/>
+                </a:lnTo>
+                <a:lnTo>
+                  <a:pt x="0" y="120000"/>
+                </a:lnTo>
+                <a:close/>
+              </a:path>
+            </a:pathLst>
+          </a:custGeom>
+          <a:noFill/>
+          <a:ln cap="flat" cmpd="sng" w="9525">
+            <a:solidFill>
+              <a:srgbClr val="000000"/>
+            </a:solidFill>
+            <a:prstDash val="solid"/>
+            <a:round/>
+            <a:headEnd len="med" w="med" type="none"/>
+            <a:tailEnd len="med" w="med" type="none"/>
+          </a:ln>
+        </p:spPr>
+      </p:sp>
+      <p:sp>
+        <p:nvSpPr>
+          <p:cNvPr id="91" name="Shape 91"/>
           <p:cNvSpPr txBox="1"/>
           <p:nvPr>
             <p:ph idx="1" type="body"/>
@@ -4404,13 +4510,49 @@
           <p:cNvPr id="56" name="Shape 56"/>
           <p:cNvSpPr txBox="1"/>
           <p:nvPr>
-            <p:ph type="title"/>
-          </p:nvPr>
-        </p:nvSpPr>
-        <p:spPr>
-          <a:xfrm>
-            <a:off x="311700" y="445025"/>
-            <a:ext cx="8520599" cy="572699"/>
+            <p:ph type="ctrTitle"/>
+          </p:nvPr>
+        </p:nvSpPr>
+        <p:spPr>
+          <a:xfrm>
+            <a:off x="0" y="-1058600"/>
+            <a:ext cx="9144000" cy="2052599"/>
+          </a:xfrm>
+          <a:prstGeom prst="rect">
+            <a:avLst/>
+          </a:prstGeom>
+        </p:spPr>
+        <p:txBody>
+          <a:bodyPr anchorCtr="0" anchor="b" bIns="91425" lIns="91425" rIns="91425" tIns="91425">
+            <a:noAutofit/>
+          </a:bodyPr>
+          <a:lstStyle/>
+          <a:p>
+            <a:pPr>
+              <a:spcBef>
+                <a:spcPts val="0"/>
+              </a:spcBef>
+              <a:buNone/>
+            </a:pPr>
+            <a:r>
+              <a:rPr lang="en"/>
+              <a:t>Objective:</a:t>
+            </a:r>
+          </a:p>
+        </p:txBody>
+      </p:sp>
+      <p:sp>
+        <p:nvSpPr>
+          <p:cNvPr id="57" name="Shape 57"/>
+          <p:cNvSpPr txBox="1"/>
+          <p:nvPr>
+            <p:ph idx="1" type="subTitle"/>
+          </p:nvPr>
+        </p:nvSpPr>
+        <p:spPr>
+          <a:xfrm>
+            <a:off x="0" y="4389950"/>
+            <a:ext cx="9144000" cy="792600"/>
           </a:xfrm>
           <a:prstGeom prst="rect">
             <a:avLst/>
@@ -4430,6 +4572,98 @@
             </a:pPr>
             <a:r>
               <a:rPr lang="en"/>
+              <a:t>Design a LAN Tap</a:t>
+            </a:r>
+          </a:p>
+        </p:txBody>
+      </p:sp>
+      <p:pic>
+        <p:nvPicPr>
+          <p:cNvPr id="58" name="Shape 58"/>
+          <p:cNvPicPr preferRelativeResize="0"/>
+          <p:nvPr/>
+        </p:nvPicPr>
+        <p:blipFill>
+          <a:blip r:embed="rId3">
+            <a:alphaModFix/>
+          </a:blip>
+          <a:stretch>
+            <a:fillRect/>
+          </a:stretch>
+        </p:blipFill>
+        <p:spPr>
+          <a:xfrm>
+            <a:off x="2264562" y="928800"/>
+            <a:ext cx="4614866" cy="3461149"/>
+          </a:xfrm>
+          <a:prstGeom prst="rect">
+            <a:avLst/>
+          </a:prstGeom>
+          <a:noFill/>
+          <a:ln>
+            <a:noFill/>
+          </a:ln>
+        </p:spPr>
+      </p:pic>
+    </p:spTree>
+  </p:cSld>
+  <p:clrMapOvr>
+    <a:masterClrMapping/>
+  </p:clrMapOvr>
+  <p:transition spd="slow">
+    <p:cut/>
+  </p:transition>
+</p:sld>
+</file>
+
+<file path=ppt/slides/slide3.xml><?xml version="1.0" encoding="utf-8"?>
+<p:sld xmlns:a="http://schemas.openxmlformats.org/drawingml/2006/main" xmlns:r="http://schemas.openxmlformats.org/officeDocument/2006/relationships" xmlns:mc="http://schemas.openxmlformats.org/markup-compatibility/2006" xmlns:mv="urn:schemas-microsoft-com:mac:vml" xmlns:p="http://schemas.openxmlformats.org/presentationml/2006/main" xmlns:c="http://schemas.openxmlformats.org/drawingml/2006/chart" xmlns:dgm="http://schemas.openxmlformats.org/drawingml/2006/diagram" xmlns:o="urn:schemas-microsoft-com:office:office" xmlns:v="urn:schemas-microsoft-com:vml" xmlns:pvml="urn:schemas-microsoft-com:office:powerpoint" xmlns:com="http://schemas.openxmlformats.org/drawingml/2006/compatibility" xmlns:p14="http://schemas.microsoft.com/office/powerpoint/2010/main">
+  <p:cSld>
+    <p:spTree>
+      <p:nvGrpSpPr>
+        <p:cNvPr id="62" name="Shape 62"/>
+        <p:cNvGrpSpPr/>
+        <p:nvPr/>
+      </p:nvGrpSpPr>
+      <p:grpSpPr>
+        <a:xfrm>
+          <a:off x="0" y="0"/>
+          <a:ext cx="0" cy="0"/>
+          <a:chOff x="0" y="0"/>
+          <a:chExt cx="0" cy="0"/>
+        </a:xfrm>
+      </p:grpSpPr>
+      <p:sp>
+        <p:nvSpPr>
+          <p:cNvPr id="63" name="Shape 63"/>
+          <p:cNvSpPr txBox="1"/>
+          <p:nvPr>
+            <p:ph type="title"/>
+          </p:nvPr>
+        </p:nvSpPr>
+        <p:spPr>
+          <a:xfrm>
+            <a:off x="311700" y="445025"/>
+            <a:ext cx="8520599" cy="572699"/>
+          </a:xfrm>
+          <a:prstGeom prst="rect">
+            <a:avLst/>
+          </a:prstGeom>
+        </p:spPr>
+        <p:txBody>
+          <a:bodyPr anchorCtr="0" anchor="t" bIns="91425" lIns="91425" rIns="91425" tIns="91425">
+            <a:noAutofit/>
+          </a:bodyPr>
+          <a:lstStyle/>
+          <a:p>
+            <a:pPr>
+              <a:spcBef>
+                <a:spcPts val="0"/>
+              </a:spcBef>
+              <a:buNone/>
+            </a:pPr>
+            <a:r>
+              <a:rPr lang="en"/>
               <a:t>Required tools: </a:t>
             </a:r>
           </a:p>
@@ -4437,7 +4671,7 @@
       </p:sp>
       <p:sp>
         <p:nvSpPr>
-          <p:cNvPr id="57" name="Shape 57"/>
+          <p:cNvPr id="64" name="Shape 64"/>
           <p:cNvSpPr txBox="1"/>
           <p:nvPr>
             <p:ph idx="1" type="body"/>
@@ -4466,7 +4700,7 @@
             </a:pPr>
             <a:r>
               <a:rPr lang="en" sz="3600"/>
-              <a:t>Eagle Cad: </a:t>
+              <a:t>Eagle CAD: </a:t>
             </a:r>
             <a:r>
               <a:rPr lang="en" sz="3600" u="sng">
@@ -4524,12 +4758,12 @@
 </p:sld>
 </file>
 
-<file path=ppt/slides/slide3.xml><?xml version="1.0" encoding="utf-8"?>
+<file path=ppt/slides/slide4.xml><?xml version="1.0" encoding="utf-8"?>
 <p:sld xmlns:a="http://schemas.openxmlformats.org/drawingml/2006/main" xmlns:r="http://schemas.openxmlformats.org/officeDocument/2006/relationships" xmlns:mc="http://schemas.openxmlformats.org/markup-compatibility/2006" xmlns:mv="urn:schemas-microsoft-com:mac:vml" xmlns:p="http://schemas.openxmlformats.org/presentationml/2006/main" xmlns:c="http://schemas.openxmlformats.org/drawingml/2006/chart" xmlns:dgm="http://schemas.openxmlformats.org/drawingml/2006/diagram" xmlns:o="urn:schemas-microsoft-com:office:office" xmlns:v="urn:schemas-microsoft-com:vml" xmlns:pvml="urn:schemas-microsoft-com:office:powerpoint" xmlns:com="http://schemas.openxmlformats.org/drawingml/2006/compatibility" xmlns:p14="http://schemas.microsoft.com/office/powerpoint/2010/main">
   <p:cSld>
     <p:spTree>
       <p:nvGrpSpPr>
-        <p:cNvPr id="61" name="Shape 61"/>
+        <p:cNvPr id="68" name="Shape 68"/>
         <p:cNvGrpSpPr/>
         <p:nvPr/>
       </p:nvGrpSpPr>
@@ -4543,7 +4777,7 @@
       </p:grpSpPr>
       <p:sp>
         <p:nvSpPr>
-          <p:cNvPr id="62" name="Shape 62"/>
+          <p:cNvPr id="69" name="Shape 69"/>
           <p:cNvSpPr txBox="1"/>
           <p:nvPr>
             <p:ph type="title"/>
@@ -4579,7 +4813,7 @@
       </p:sp>
       <p:sp>
         <p:nvSpPr>
-          <p:cNvPr id="63" name="Shape 63"/>
+          <p:cNvPr id="70" name="Shape 70"/>
           <p:cNvSpPr txBox="1"/>
           <p:nvPr>
             <p:ph idx="1" type="body"/>
@@ -4608,7 +4842,7 @@
             </a:pPr>
             <a:r>
               <a:rPr lang="en"/>
-              <a:t>Install eagle CAD and Part Libraries.</a:t>
+              <a:t>Install Eagle CAD and Part Libraries.</a:t>
             </a:r>
           </a:p>
           <a:p>
@@ -4657,106 +4891,6 @@
             <a:r>
               <a:rPr lang="en"/>
               <a:t>--If prompted about a directory not existing click yes to create the directory.</a:t>
-            </a:r>
-          </a:p>
-        </p:txBody>
-      </p:sp>
-    </p:spTree>
-  </p:cSld>
-  <p:clrMapOvr>
-    <a:masterClrMapping/>
-  </p:clrMapOvr>
-  <p:transition spd="slow">
-    <p:cut/>
-  </p:transition>
-</p:sld>
-</file>
-
-<file path=ppt/slides/slide4.xml><?xml version="1.0" encoding="utf-8"?>
-<p:sld xmlns:a="http://schemas.openxmlformats.org/drawingml/2006/main" xmlns:r="http://schemas.openxmlformats.org/officeDocument/2006/relationships" xmlns:mc="http://schemas.openxmlformats.org/markup-compatibility/2006" xmlns:mv="urn:schemas-microsoft-com:mac:vml" xmlns:p="http://schemas.openxmlformats.org/presentationml/2006/main" xmlns:c="http://schemas.openxmlformats.org/drawingml/2006/chart" xmlns:dgm="http://schemas.openxmlformats.org/drawingml/2006/diagram" xmlns:o="urn:schemas-microsoft-com:office:office" xmlns:v="urn:schemas-microsoft-com:vml" xmlns:pvml="urn:schemas-microsoft-com:office:powerpoint" xmlns:com="http://schemas.openxmlformats.org/drawingml/2006/compatibility" xmlns:p14="http://schemas.microsoft.com/office/powerpoint/2010/main">
-  <p:cSld>
-    <p:spTree>
-      <p:nvGrpSpPr>
-        <p:cNvPr id="67" name="Shape 67"/>
-        <p:cNvGrpSpPr/>
-        <p:nvPr/>
-      </p:nvGrpSpPr>
-      <p:grpSpPr>
-        <a:xfrm>
-          <a:off x="0" y="0"/>
-          <a:ext cx="0" cy="0"/>
-          <a:chOff x="0" y="0"/>
-          <a:chExt cx="0" cy="0"/>
-        </a:xfrm>
-      </p:grpSpPr>
-      <p:sp>
-        <p:nvSpPr>
-          <p:cNvPr id="68" name="Shape 68"/>
-          <p:cNvSpPr txBox="1"/>
-          <p:nvPr>
-            <p:ph type="title"/>
-          </p:nvPr>
-        </p:nvSpPr>
-        <p:spPr>
-          <a:xfrm>
-            <a:off x="311700" y="445025"/>
-            <a:ext cx="8520599" cy="572699"/>
-          </a:xfrm>
-          <a:prstGeom prst="rect">
-            <a:avLst/>
-          </a:prstGeom>
-        </p:spPr>
-        <p:txBody>
-          <a:bodyPr anchorCtr="0" anchor="t" bIns="91425" lIns="91425" rIns="91425" tIns="91425">
-            <a:noAutofit/>
-          </a:bodyPr>
-          <a:lstStyle/>
-          <a:p>
-            <a:pPr>
-              <a:spcBef>
-                <a:spcPts val="0"/>
-              </a:spcBef>
-              <a:buNone/>
-            </a:pPr>
-            <a:r>
-              <a:rPr lang="en"/>
-              <a:t>Instruction time :) </a:t>
-            </a:r>
-          </a:p>
-        </p:txBody>
-      </p:sp>
-      <p:sp>
-        <p:nvSpPr>
-          <p:cNvPr id="69" name="Shape 69"/>
-          <p:cNvSpPr txBox="1"/>
-          <p:nvPr>
-            <p:ph idx="1" type="body"/>
-          </p:nvPr>
-        </p:nvSpPr>
-        <p:spPr>
-          <a:xfrm>
-            <a:off x="311700" y="1152475"/>
-            <a:ext cx="8520599" cy="3416400"/>
-          </a:xfrm>
-          <a:prstGeom prst="rect">
-            <a:avLst/>
-          </a:prstGeom>
-        </p:spPr>
-        <p:txBody>
-          <a:bodyPr anchorCtr="0" anchor="t" bIns="91425" lIns="91425" rIns="91425" tIns="91425">
-            <a:noAutofit/>
-          </a:bodyPr>
-          <a:lstStyle/>
-          <a:p>
-            <a:pPr>
-              <a:spcBef>
-                <a:spcPts val="0"/>
-              </a:spcBef>
-              <a:buNone/>
-            </a:pPr>
-            <a:r>
-              <a:rPr lang="en" sz="3600"/>
-              <a:t>Follow along with me!</a:t>
             </a:r>
           </a:p>
         </p:txBody>
@@ -4777,7 +4911,7 @@
   <p:cSld>
     <p:spTree>
       <p:nvGrpSpPr>
-        <p:cNvPr id="73" name="Shape 73"/>
+        <p:cNvPr id="74" name="Shape 74"/>
         <p:cNvGrpSpPr/>
         <p:nvPr/>
       </p:nvGrpSpPr>
@@ -4791,7 +4925,7 @@
       </p:grpSpPr>
       <p:sp>
         <p:nvSpPr>
-          <p:cNvPr id="74" name="Shape 74"/>
+          <p:cNvPr id="75" name="Shape 75"/>
           <p:cNvSpPr txBox="1"/>
           <p:nvPr>
             <p:ph type="title"/>
@@ -4820,6 +4954,106 @@
             </a:pPr>
             <a:r>
               <a:rPr lang="en"/>
+              <a:t>Instruction time :) </a:t>
+            </a:r>
+          </a:p>
+        </p:txBody>
+      </p:sp>
+      <p:sp>
+        <p:nvSpPr>
+          <p:cNvPr id="76" name="Shape 76"/>
+          <p:cNvSpPr txBox="1"/>
+          <p:nvPr>
+            <p:ph idx="1" type="body"/>
+          </p:nvPr>
+        </p:nvSpPr>
+        <p:spPr>
+          <a:xfrm>
+            <a:off x="311700" y="1152475"/>
+            <a:ext cx="8520599" cy="3416400"/>
+          </a:xfrm>
+          <a:prstGeom prst="rect">
+            <a:avLst/>
+          </a:prstGeom>
+        </p:spPr>
+        <p:txBody>
+          <a:bodyPr anchorCtr="0" anchor="t" bIns="91425" lIns="91425" rIns="91425" tIns="91425">
+            <a:noAutofit/>
+          </a:bodyPr>
+          <a:lstStyle/>
+          <a:p>
+            <a:pPr>
+              <a:spcBef>
+                <a:spcPts val="0"/>
+              </a:spcBef>
+              <a:buNone/>
+            </a:pPr>
+            <a:r>
+              <a:rPr lang="en" sz="3600"/>
+              <a:t>Follow along with me!</a:t>
+            </a:r>
+          </a:p>
+        </p:txBody>
+      </p:sp>
+    </p:spTree>
+  </p:cSld>
+  <p:clrMapOvr>
+    <a:masterClrMapping/>
+  </p:clrMapOvr>
+  <p:transition spd="slow">
+    <p:cut/>
+  </p:transition>
+</p:sld>
+</file>
+
+<file path=ppt/slides/slide6.xml><?xml version="1.0" encoding="utf-8"?>
+<p:sld xmlns:a="http://schemas.openxmlformats.org/drawingml/2006/main" xmlns:r="http://schemas.openxmlformats.org/officeDocument/2006/relationships" xmlns:mc="http://schemas.openxmlformats.org/markup-compatibility/2006" xmlns:mv="urn:schemas-microsoft-com:mac:vml" xmlns:p="http://schemas.openxmlformats.org/presentationml/2006/main" xmlns:c="http://schemas.openxmlformats.org/drawingml/2006/chart" xmlns:dgm="http://schemas.openxmlformats.org/drawingml/2006/diagram" xmlns:o="urn:schemas-microsoft-com:office:office" xmlns:v="urn:schemas-microsoft-com:vml" xmlns:pvml="urn:schemas-microsoft-com:office:powerpoint" xmlns:com="http://schemas.openxmlformats.org/drawingml/2006/compatibility" xmlns:p14="http://schemas.microsoft.com/office/powerpoint/2010/main">
+  <p:cSld>
+    <p:spTree>
+      <p:nvGrpSpPr>
+        <p:cNvPr id="80" name="Shape 80"/>
+        <p:cNvGrpSpPr/>
+        <p:nvPr/>
+      </p:nvGrpSpPr>
+      <p:grpSpPr>
+        <a:xfrm>
+          <a:off x="0" y="0"/>
+          <a:ext cx="0" cy="0"/>
+          <a:chOff x="0" y="0"/>
+          <a:chExt cx="0" cy="0"/>
+        </a:xfrm>
+      </p:grpSpPr>
+      <p:sp>
+        <p:nvSpPr>
+          <p:cNvPr id="81" name="Shape 81"/>
+          <p:cNvSpPr txBox="1"/>
+          <p:nvPr>
+            <p:ph type="title"/>
+          </p:nvPr>
+        </p:nvSpPr>
+        <p:spPr>
+          <a:xfrm>
+            <a:off x="311700" y="445025"/>
+            <a:ext cx="8520599" cy="572699"/>
+          </a:xfrm>
+          <a:prstGeom prst="rect">
+            <a:avLst/>
+          </a:prstGeom>
+        </p:spPr>
+        <p:txBody>
+          <a:bodyPr anchorCtr="0" anchor="t" bIns="91425" lIns="91425" rIns="91425" tIns="91425">
+            <a:noAutofit/>
+          </a:bodyPr>
+          <a:lstStyle/>
+          <a:p>
+            <a:pPr>
+              <a:spcBef>
+                <a:spcPts val="0"/>
+              </a:spcBef>
+              <a:buNone/>
+            </a:pPr>
+            <a:r>
+              <a:rPr lang="en"/>
               <a:t>Production Resources	</a:t>
             </a:r>
           </a:p>
@@ -4827,7 +5061,7 @@
       </p:sp>
       <p:sp>
         <p:nvSpPr>
-          <p:cNvPr id="75" name="Shape 75"/>
+          <p:cNvPr id="82" name="Shape 82"/>
           <p:cNvSpPr txBox="1"/>
           <p:nvPr>
             <p:ph idx="1" type="body"/>
@@ -4898,7 +5132,7 @@
             </a:pPr>
             <a:r>
               <a:rPr lang="en" sz="3600"/>
-              <a:t>components: </a:t>
+              <a:t>Components: </a:t>
             </a:r>
             <a:r>
               <a:rPr lang="en" sz="3600" u="sng">
@@ -4947,12 +5181,12 @@
 </p:sld>
 </file>
 
-<file path=ppt/slides/slide6.xml><?xml version="1.0" encoding="utf-8"?>
+<file path=ppt/slides/slide7.xml><?xml version="1.0" encoding="utf-8"?>
 <p:sld xmlns:a="http://schemas.openxmlformats.org/drawingml/2006/main" xmlns:r="http://schemas.openxmlformats.org/officeDocument/2006/relationships" xmlns:mc="http://schemas.openxmlformats.org/markup-compatibility/2006" xmlns:mv="urn:schemas-microsoft-com:mac:vml" xmlns:p="http://schemas.openxmlformats.org/presentationml/2006/main" xmlns:c="http://schemas.openxmlformats.org/drawingml/2006/chart" xmlns:dgm="http://schemas.openxmlformats.org/drawingml/2006/diagram" xmlns:o="urn:schemas-microsoft-com:office:office" xmlns:v="urn:schemas-microsoft-com:vml" xmlns:pvml="urn:schemas-microsoft-com:office:powerpoint" xmlns:com="http://schemas.openxmlformats.org/drawingml/2006/compatibility" xmlns:p14="http://schemas.microsoft.com/office/powerpoint/2010/main">
   <p:cSld>
     <p:spTree>
       <p:nvGrpSpPr>
-        <p:cNvPr id="79" name="Shape 79"/>
+        <p:cNvPr id="86" name="Shape 86"/>
         <p:cNvGrpSpPr/>
         <p:nvPr/>
       </p:nvGrpSpPr>
@@ -4966,7 +5200,7 @@
       </p:grpSpPr>
       <p:sp>
         <p:nvSpPr>
-          <p:cNvPr id="80" name="Shape 80"/>
+          <p:cNvPr id="87" name="Shape 87"/>
           <p:cNvSpPr txBox="1"/>
           <p:nvPr>
             <p:ph type="title"/>
@@ -5002,7 +5236,7 @@
       </p:sp>
       <p:sp>
         <p:nvSpPr>
-          <p:cNvPr id="81" name="Shape 81"/>
+          <p:cNvPr id="88" name="Shape 88"/>
           <p:cNvSpPr txBox="1"/>
           <p:nvPr>
             <p:ph idx="1" type="body"/>
